--- a/AzureDatabricksVisionAPI/AzureDatabricksVisionAPI.pptx
+++ b/AzureDatabricksVisionAPI/AzureDatabricksVisionAPI.pptx
@@ -5,22 +5,23 @@
     <p:sldMasterId id="2147483870" r:id="rId1"/>
   </p:sldMasterIdLst>
   <p:notesMasterIdLst>
-    <p:notesMasterId r:id="rId12"/>
+    <p:notesMasterId r:id="rId13"/>
   </p:notesMasterIdLst>
   <p:sldIdLst>
     <p:sldId id="343" r:id="rId2"/>
-    <p:sldId id="344" r:id="rId3"/>
-    <p:sldId id="352" r:id="rId4"/>
-    <p:sldId id="346" r:id="rId5"/>
-    <p:sldId id="353" r:id="rId6"/>
-    <p:sldId id="347" r:id="rId7"/>
-    <p:sldId id="350" r:id="rId8"/>
-    <p:sldId id="351" r:id="rId9"/>
-    <p:sldId id="348" r:id="rId10"/>
-    <p:sldId id="345" r:id="rId11"/>
+    <p:sldId id="354" r:id="rId3"/>
+    <p:sldId id="344" r:id="rId4"/>
+    <p:sldId id="352" r:id="rId5"/>
+    <p:sldId id="346" r:id="rId6"/>
+    <p:sldId id="353" r:id="rId7"/>
+    <p:sldId id="347" r:id="rId8"/>
+    <p:sldId id="350" r:id="rId9"/>
+    <p:sldId id="351" r:id="rId10"/>
+    <p:sldId id="348" r:id="rId11"/>
+    <p:sldId id="345" r:id="rId12"/>
   </p:sldIdLst>
   <p:sldSz cx="12192000" cy="6858000"/>
-  <p:notesSz cx="6858000" cy="9144000"/>
+  <p:notesSz cx="7077075" cy="9363075"/>
   <p:defaultTextStyle>
     <a:defPPr>
       <a:defRPr lang="en-US"/>
@@ -170,14 +171,14 @@
         <p:spPr>
           <a:xfrm>
             <a:off x="0" y="0"/>
-            <a:ext cx="2971800" cy="458788"/>
+            <a:ext cx="3066733" cy="469780"/>
           </a:xfrm>
           <a:prstGeom prst="rect">
             <a:avLst/>
           </a:prstGeom>
         </p:spPr>
         <p:txBody>
-          <a:bodyPr vert="horz" lIns="91440" tIns="45720" rIns="91440" bIns="45720" rtlCol="0"/>
+          <a:bodyPr vert="horz" lIns="93936" tIns="46968" rIns="93936" bIns="46968" rtlCol="0"/>
           <a:lstStyle>
             <a:lvl1pPr algn="l">
               <a:defRPr sz="1200"/>
@@ -200,15 +201,15 @@
         </p:nvSpPr>
         <p:spPr>
           <a:xfrm>
-            <a:off x="3884613" y="0"/>
-            <a:ext cx="2971800" cy="458788"/>
+            <a:off x="4008705" y="0"/>
+            <a:ext cx="3066733" cy="469780"/>
           </a:xfrm>
           <a:prstGeom prst="rect">
             <a:avLst/>
           </a:prstGeom>
         </p:spPr>
         <p:txBody>
-          <a:bodyPr vert="horz" lIns="91440" tIns="45720" rIns="91440" bIns="45720" rtlCol="0"/>
+          <a:bodyPr vert="horz" lIns="93936" tIns="46968" rIns="93936" bIns="46968" rtlCol="0"/>
           <a:lstStyle>
             <a:lvl1pPr algn="r">
               <a:defRPr sz="1200"/>
@@ -217,7 +218,7 @@
           <a:p>
             <a:fld id="{D5EE970C-BE4F-41C6-87E0-B8B8D0F547F7}" type="datetimeFigureOut">
               <a:rPr lang="en-US" smtClean="0"/>
-              <a:t>8/3/2018</a:t>
+              <a:t>8/15/2018</a:t>
             </a:fld>
             <a:endParaRPr lang="en-US"/>
           </a:p>
@@ -235,8 +236,8 @@
         </p:nvSpPr>
         <p:spPr>
           <a:xfrm>
-            <a:off x="685800" y="1143000"/>
-            <a:ext cx="5486400" cy="3086100"/>
+            <a:off x="728663" y="1169988"/>
+            <a:ext cx="5619750" cy="3160712"/>
           </a:xfrm>
           <a:prstGeom prst="rect">
             <a:avLst/>
@@ -249,7 +250,7 @@
           </a:ln>
         </p:spPr>
         <p:txBody>
-          <a:bodyPr vert="horz" lIns="91440" tIns="45720" rIns="91440" bIns="45720" rtlCol="0" anchor="ctr"/>
+          <a:bodyPr vert="horz" lIns="93936" tIns="46968" rIns="93936" bIns="46968" rtlCol="0" anchor="ctr"/>
           <a:lstStyle/>
           <a:p>
             <a:endParaRPr lang="en-US"/>
@@ -268,15 +269,15 @@
         </p:nvSpPr>
         <p:spPr>
           <a:xfrm>
-            <a:off x="685800" y="4400550"/>
-            <a:ext cx="5486400" cy="3600450"/>
+            <a:off x="707708" y="4505980"/>
+            <a:ext cx="5661660" cy="3686711"/>
           </a:xfrm>
           <a:prstGeom prst="rect">
             <a:avLst/>
           </a:prstGeom>
         </p:spPr>
         <p:txBody>
-          <a:bodyPr vert="horz" lIns="91440" tIns="45720" rIns="91440" bIns="45720" rtlCol="0"/>
+          <a:bodyPr vert="horz" lIns="93936" tIns="46968" rIns="93936" bIns="46968" rtlCol="0"/>
           <a:lstStyle/>
           <a:p>
             <a:pPr lvl="0"/>
@@ -327,15 +328,15 @@
         </p:nvSpPr>
         <p:spPr>
           <a:xfrm>
-            <a:off x="0" y="8685213"/>
-            <a:ext cx="2971800" cy="458787"/>
+            <a:off x="0" y="8893297"/>
+            <a:ext cx="3066733" cy="469779"/>
           </a:xfrm>
           <a:prstGeom prst="rect">
             <a:avLst/>
           </a:prstGeom>
         </p:spPr>
         <p:txBody>
-          <a:bodyPr vert="horz" lIns="91440" tIns="45720" rIns="91440" bIns="45720" rtlCol="0" anchor="b"/>
+          <a:bodyPr vert="horz" lIns="93936" tIns="46968" rIns="93936" bIns="46968" rtlCol="0" anchor="b"/>
           <a:lstStyle>
             <a:lvl1pPr algn="l">
               <a:defRPr sz="1200"/>
@@ -358,15 +359,15 @@
         </p:nvSpPr>
         <p:spPr>
           <a:xfrm>
-            <a:off x="3884613" y="8685213"/>
-            <a:ext cx="2971800" cy="458787"/>
+            <a:off x="4008705" y="8893297"/>
+            <a:ext cx="3066733" cy="469779"/>
           </a:xfrm>
           <a:prstGeom prst="rect">
             <a:avLst/>
           </a:prstGeom>
         </p:spPr>
         <p:txBody>
-          <a:bodyPr vert="horz" lIns="91440" tIns="45720" rIns="91440" bIns="45720" rtlCol="0" anchor="b"/>
+          <a:bodyPr vert="horz" lIns="93936" tIns="46968" rIns="93936" bIns="46968" rtlCol="0" anchor="b"/>
           <a:lstStyle>
             <a:lvl1pPr algn="r">
               <a:defRPr sz="1200"/>
@@ -568,6 +569,90 @@
 </p:notes>
 </file>
 
+<file path=ppt/notesSlides/notesSlide10.xml><?xml version="1.0" encoding="utf-8"?>
+<p:notes xmlns:a="http://schemas.openxmlformats.org/drawingml/2006/main" xmlns:r="http://schemas.openxmlformats.org/officeDocument/2006/relationships" xmlns:p="http://schemas.openxmlformats.org/presentationml/2006/main">
+  <p:cSld>
+    <p:spTree>
+      <p:nvGrpSpPr>
+        <p:cNvPr id="1" name=""/>
+        <p:cNvGrpSpPr/>
+        <p:nvPr/>
+      </p:nvGrpSpPr>
+      <p:grpSpPr>
+        <a:xfrm>
+          <a:off x="0" y="0"/>
+          <a:ext cx="0" cy="0"/>
+          <a:chOff x="0" y="0"/>
+          <a:chExt cx="0" cy="0"/>
+        </a:xfrm>
+      </p:grpSpPr>
+      <p:sp>
+        <p:nvSpPr>
+          <p:cNvPr id="2" name="Slide Image Placeholder 1"/>
+          <p:cNvSpPr>
+            <a:spLocks noGrp="1" noRot="1" noChangeAspect="1"/>
+          </p:cNvSpPr>
+          <p:nvPr>
+            <p:ph type="sldImg"/>
+          </p:nvPr>
+        </p:nvSpPr>
+        <p:spPr/>
+      </p:sp>
+      <p:sp>
+        <p:nvSpPr>
+          <p:cNvPr id="3" name="Notes Placeholder 2"/>
+          <p:cNvSpPr>
+            <a:spLocks noGrp="1"/>
+          </p:cNvSpPr>
+          <p:nvPr>
+            <p:ph type="body" idx="1"/>
+          </p:nvPr>
+        </p:nvSpPr>
+        <p:spPr/>
+        <p:txBody>
+          <a:bodyPr/>
+          <a:lstStyle/>
+          <a:p>
+            <a:endParaRPr lang="en-US"/>
+          </a:p>
+        </p:txBody>
+      </p:sp>
+      <p:sp>
+        <p:nvSpPr>
+          <p:cNvPr id="4" name="Slide Number Placeholder 3"/>
+          <p:cNvSpPr>
+            <a:spLocks noGrp="1"/>
+          </p:cNvSpPr>
+          <p:nvPr>
+            <p:ph type="sldNum" sz="quarter" idx="10"/>
+          </p:nvPr>
+        </p:nvSpPr>
+        <p:spPr/>
+        <p:txBody>
+          <a:bodyPr/>
+          <a:lstStyle/>
+          <a:p>
+            <a:fld id="{D78F102C-BE43-481B-8CDB-038697B0AC8C}" type="slidenum">
+              <a:rPr lang="en-US" smtClean="0"/>
+              <a:t>10</a:t>
+            </a:fld>
+            <a:endParaRPr lang="en-US"/>
+          </a:p>
+        </p:txBody>
+      </p:sp>
+    </p:spTree>
+    <p:extLst>
+      <p:ext uri="{BB962C8B-B14F-4D97-AF65-F5344CB8AC3E}">
+        <p14:creationId xmlns:p14="http://schemas.microsoft.com/office/powerpoint/2010/main" val="2093844211"/>
+      </p:ext>
+    </p:extLst>
+  </p:cSld>
+  <p:clrMapOvr>
+    <a:masterClrMapping/>
+  </p:clrMapOvr>
+</p:notes>
+</file>
+
 <file path=ppt/notesSlides/notesSlide2.xml><?xml version="1.0" encoding="utf-8"?>
 <p:notes xmlns:a="http://schemas.openxmlformats.org/drawingml/2006/main" xmlns:r="http://schemas.openxmlformats.org/officeDocument/2006/relationships" xmlns:p="http://schemas.openxmlformats.org/presentationml/2006/main">
   <p:cSld>
@@ -642,7 +727,7 @@
     </p:spTree>
     <p:extLst>
       <p:ext uri="{BB962C8B-B14F-4D97-AF65-F5344CB8AC3E}">
-        <p14:creationId xmlns:p14="http://schemas.microsoft.com/office/powerpoint/2010/main" val="2080094237"/>
+        <p14:creationId xmlns:p14="http://schemas.microsoft.com/office/powerpoint/2010/main" val="4049457246"/>
       </p:ext>
     </p:extLst>
   </p:cSld>
@@ -726,7 +811,7 @@
     </p:spTree>
     <p:extLst>
       <p:ext uri="{BB962C8B-B14F-4D97-AF65-F5344CB8AC3E}">
-        <p14:creationId xmlns:p14="http://schemas.microsoft.com/office/powerpoint/2010/main" val="1410070868"/>
+        <p14:creationId xmlns:p14="http://schemas.microsoft.com/office/powerpoint/2010/main" val="2080094237"/>
       </p:ext>
     </p:extLst>
   </p:cSld>
@@ -810,7 +895,7 @@
     </p:spTree>
     <p:extLst>
       <p:ext uri="{BB962C8B-B14F-4D97-AF65-F5344CB8AC3E}">
-        <p14:creationId xmlns:p14="http://schemas.microsoft.com/office/powerpoint/2010/main" val="2908771028"/>
+        <p14:creationId xmlns:p14="http://schemas.microsoft.com/office/powerpoint/2010/main" val="1410070868"/>
       </p:ext>
     </p:extLst>
   </p:cSld>
@@ -894,7 +979,7 @@
     </p:spTree>
     <p:extLst>
       <p:ext uri="{BB962C8B-B14F-4D97-AF65-F5344CB8AC3E}">
-        <p14:creationId xmlns:p14="http://schemas.microsoft.com/office/powerpoint/2010/main" val="1719240801"/>
+        <p14:creationId xmlns:p14="http://schemas.microsoft.com/office/powerpoint/2010/main" val="2908771028"/>
       </p:ext>
     </p:extLst>
   </p:cSld>
@@ -978,7 +1063,7 @@
     </p:spTree>
     <p:extLst>
       <p:ext uri="{BB962C8B-B14F-4D97-AF65-F5344CB8AC3E}">
-        <p14:creationId xmlns:p14="http://schemas.microsoft.com/office/powerpoint/2010/main" val="1737029249"/>
+        <p14:creationId xmlns:p14="http://schemas.microsoft.com/office/powerpoint/2010/main" val="1719240801"/>
       </p:ext>
     </p:extLst>
   </p:cSld>
@@ -1062,7 +1147,7 @@
     </p:spTree>
     <p:extLst>
       <p:ext uri="{BB962C8B-B14F-4D97-AF65-F5344CB8AC3E}">
-        <p14:creationId xmlns:p14="http://schemas.microsoft.com/office/powerpoint/2010/main" val="3367893706"/>
+        <p14:creationId xmlns:p14="http://schemas.microsoft.com/office/powerpoint/2010/main" val="1737029249"/>
       </p:ext>
     </p:extLst>
   </p:cSld>
@@ -1146,7 +1231,7 @@
     </p:spTree>
     <p:extLst>
       <p:ext uri="{BB962C8B-B14F-4D97-AF65-F5344CB8AC3E}">
-        <p14:creationId xmlns:p14="http://schemas.microsoft.com/office/powerpoint/2010/main" val="3040192098"/>
+        <p14:creationId xmlns:p14="http://schemas.microsoft.com/office/powerpoint/2010/main" val="3367893706"/>
       </p:ext>
     </p:extLst>
   </p:cSld>
@@ -1230,7 +1315,7 @@
     </p:spTree>
     <p:extLst>
       <p:ext uri="{BB962C8B-B14F-4D97-AF65-F5344CB8AC3E}">
-        <p14:creationId xmlns:p14="http://schemas.microsoft.com/office/powerpoint/2010/main" val="2093844211"/>
+        <p14:creationId xmlns:p14="http://schemas.microsoft.com/office/powerpoint/2010/main" val="3040192098"/>
       </p:ext>
     </p:extLst>
   </p:cSld>
@@ -1426,7 +1511,7 @@
           <a:p>
             <a:fld id="{ECD19FB2-3AAB-4D03-B13A-2960828C78E3}" type="datetimeFigureOut">
               <a:rPr lang="en-US" smtClean="0"/>
-              <a:t>8/3/2018</a:t>
+              <a:t>8/15/2018</a:t>
             </a:fld>
             <a:endParaRPr lang="en-US" dirty="0"/>
           </a:p>
@@ -1707,7 +1792,7 @@
           <a:p>
             <a:fld id="{72409AA5-68C5-4974-BFB3-CDFD745B6A55}" type="datetimeFigureOut">
               <a:rPr lang="en-US" smtClean="0"/>
-              <a:t>8/3/2018</a:t>
+              <a:t>8/15/2018</a:t>
             </a:fld>
             <a:endParaRPr lang="en-US"/>
           </a:p>
@@ -1901,7 +1986,7 @@
           <a:p>
             <a:fld id="{72409AA5-68C5-4974-BFB3-CDFD745B6A55}" type="datetimeFigureOut">
               <a:rPr lang="en-US" smtClean="0"/>
-              <a:t>8/3/2018</a:t>
+              <a:t>8/15/2018</a:t>
             </a:fld>
             <a:endParaRPr lang="en-US"/>
           </a:p>
@@ -2174,7 +2259,7 @@
           <a:p>
             <a:fld id="{72409AA5-68C5-4974-BFB3-CDFD745B6A55}" type="datetimeFigureOut">
               <a:rPr lang="en-US" smtClean="0"/>
-              <a:t>8/3/2018</a:t>
+              <a:t>8/15/2018</a:t>
             </a:fld>
             <a:endParaRPr lang="en-US"/>
           </a:p>
@@ -2515,7 +2600,7 @@
           <a:p>
             <a:fld id="{72409AA5-68C5-4974-BFB3-CDFD745B6A55}" type="datetimeFigureOut">
               <a:rPr lang="en-US" smtClean="0"/>
-              <a:t>8/3/2018</a:t>
+              <a:t>8/15/2018</a:t>
             </a:fld>
             <a:endParaRPr lang="en-US"/>
           </a:p>
@@ -3138,7 +3223,7 @@
           <a:p>
             <a:fld id="{72409AA5-68C5-4974-BFB3-CDFD745B6A55}" type="datetimeFigureOut">
               <a:rPr lang="en-US" smtClean="0"/>
-              <a:t>8/3/2018</a:t>
+              <a:t>8/15/2018</a:t>
             </a:fld>
             <a:endParaRPr lang="en-US"/>
           </a:p>
@@ -3998,7 +4083,7 @@
           <a:p>
             <a:fld id="{72409AA5-68C5-4974-BFB3-CDFD745B6A55}" type="datetimeFigureOut">
               <a:rPr lang="en-US" smtClean="0"/>
-              <a:t>8/3/2018</a:t>
+              <a:t>8/15/2018</a:t>
             </a:fld>
             <a:endParaRPr lang="en-US"/>
           </a:p>
@@ -4168,7 +4253,7 @@
           <a:p>
             <a:fld id="{72409AA5-68C5-4974-BFB3-CDFD745B6A55}" type="datetimeFigureOut">
               <a:rPr lang="en-US" smtClean="0"/>
-              <a:t>8/3/2018</a:t>
+              <a:t>8/15/2018</a:t>
             </a:fld>
             <a:endParaRPr lang="en-US"/>
           </a:p>
@@ -4348,7 +4433,7 @@
           <a:p>
             <a:fld id="{72409AA5-68C5-4974-BFB3-CDFD745B6A55}" type="datetimeFigureOut">
               <a:rPr lang="en-US" smtClean="0"/>
-              <a:t>8/3/2018</a:t>
+              <a:t>8/15/2018</a:t>
             </a:fld>
             <a:endParaRPr lang="en-US"/>
           </a:p>
@@ -4605,7 +4690,7 @@
           <a:p>
             <a:fld id="{72409AA5-68C5-4974-BFB3-CDFD745B6A55}" type="datetimeFigureOut">
               <a:rPr lang="en-US" smtClean="0"/>
-              <a:t>8/3/2018</a:t>
+              <a:t>8/15/2018</a:t>
             </a:fld>
             <a:endParaRPr lang="en-US"/>
           </a:p>
@@ -4852,7 +4937,7 @@
           <a:p>
             <a:fld id="{72409AA5-68C5-4974-BFB3-CDFD745B6A55}" type="datetimeFigureOut">
               <a:rPr lang="en-US" smtClean="0"/>
-              <a:t>8/3/2018</a:t>
+              <a:t>8/15/2018</a:t>
             </a:fld>
             <a:endParaRPr lang="en-US"/>
           </a:p>
@@ -5144,7 +5229,7 @@
           <a:p>
             <a:fld id="{72409AA5-68C5-4974-BFB3-CDFD745B6A55}" type="datetimeFigureOut">
               <a:rPr lang="en-US" smtClean="0"/>
-              <a:t>8/3/2018</a:t>
+              <a:t>8/15/2018</a:t>
             </a:fld>
             <a:endParaRPr lang="en-US"/>
           </a:p>
@@ -5588,7 +5673,7 @@
           <a:p>
             <a:fld id="{72409AA5-68C5-4974-BFB3-CDFD745B6A55}" type="datetimeFigureOut">
               <a:rPr lang="en-US" smtClean="0"/>
-              <a:t>8/3/2018</a:t>
+              <a:t>8/15/2018</a:t>
             </a:fld>
             <a:endParaRPr lang="en-US"/>
           </a:p>
@@ -5706,7 +5791,7 @@
           <a:p>
             <a:fld id="{72409AA5-68C5-4974-BFB3-CDFD745B6A55}" type="datetimeFigureOut">
               <a:rPr lang="en-US" smtClean="0"/>
-              <a:t>8/3/2018</a:t>
+              <a:t>8/15/2018</a:t>
             </a:fld>
             <a:endParaRPr lang="en-US"/>
           </a:p>
@@ -5801,7 +5886,7 @@
           <a:p>
             <a:fld id="{72409AA5-68C5-4974-BFB3-CDFD745B6A55}" type="datetimeFigureOut">
               <a:rPr lang="en-US" smtClean="0"/>
-              <a:t>8/3/2018</a:t>
+              <a:t>8/15/2018</a:t>
             </a:fld>
             <a:endParaRPr lang="en-US"/>
           </a:p>
@@ -6080,7 +6165,7 @@
           <a:p>
             <a:fld id="{72409AA5-68C5-4974-BFB3-CDFD745B6A55}" type="datetimeFigureOut">
               <a:rPr lang="en-US" smtClean="0"/>
-              <a:t>8/3/2018</a:t>
+              <a:t>8/15/2018</a:t>
             </a:fld>
             <a:endParaRPr lang="en-US"/>
           </a:p>
@@ -6355,7 +6440,7 @@
           <a:p>
             <a:fld id="{72409AA5-68C5-4974-BFB3-CDFD745B6A55}" type="datetimeFigureOut">
               <a:rPr lang="en-US" smtClean="0"/>
-              <a:t>8/3/2018</a:t>
+              <a:t>8/15/2018</a:t>
             </a:fld>
             <a:endParaRPr lang="en-US"/>
           </a:p>
@@ -6784,7 +6869,7 @@
           <a:p>
             <a:fld id="{ECD19FB2-3AAB-4D03-B13A-2960828C78E3}" type="datetimeFigureOut">
               <a:rPr lang="en-US" smtClean="0"/>
-              <a:t>8/3/2018</a:t>
+              <a:t>8/15/2018</a:t>
             </a:fld>
             <a:endParaRPr lang="en-US" dirty="0"/>
           </a:p>
@@ -7422,127 +7507,12 @@
           </a:p>
         </p:txBody>
       </p:sp>
-      <p:sp>
-        <p:nvSpPr>
-          <p:cNvPr id="2" name="Title 1"/>
-          <p:cNvSpPr>
-            <a:spLocks noGrp="1"/>
-          </p:cNvSpPr>
-          <p:nvPr>
-            <p:ph type="ctrTitle" idx="4294967295"/>
-          </p:nvPr>
-        </p:nvSpPr>
-        <p:spPr>
-          <a:xfrm>
-            <a:off x="0" y="34082"/>
-            <a:ext cx="12192000" cy="838200"/>
-          </a:xfrm>
-        </p:spPr>
-        <p:txBody>
-          <a:bodyPr/>
-          <a:lstStyle/>
-          <a:p>
-            <a:pPr algn="ctr"/>
-            <a:r>
-              <a:rPr lang="en-US" sz="4400" dirty="0">
-                <a:solidFill>
-                  <a:schemeClr val="bg1"/>
-                </a:solidFill>
-                <a:latin typeface="Arial" panose="020B0604020202020204" pitchFamily="34" charset="0"/>
-                <a:cs typeface="Arial" panose="020B0604020202020204" pitchFamily="34" charset="0"/>
-              </a:rPr>
-              <a:t>Azure Databricks </a:t>
-            </a:r>
-            <a:br>
-              <a:rPr lang="en-US" sz="4400" dirty="0">
-                <a:solidFill>
-                  <a:schemeClr val="bg1"/>
-                </a:solidFill>
-                <a:latin typeface="Arial" panose="020B0604020202020204" pitchFamily="34" charset="0"/>
-                <a:cs typeface="Arial" panose="020B0604020202020204" pitchFamily="34" charset="0"/>
-              </a:rPr>
-            </a:br>
-            <a:r>
-              <a:rPr lang="en-US" sz="4400" dirty="0">
-                <a:solidFill>
-                  <a:schemeClr val="bg1"/>
-                </a:solidFill>
-                <a:latin typeface="Arial" panose="020B0604020202020204" pitchFamily="34" charset="0"/>
-                <a:cs typeface="Arial" panose="020B0604020202020204" pitchFamily="34" charset="0"/>
-              </a:rPr>
-              <a:t>Calling the Cognitive Services Vision API</a:t>
-            </a:r>
-            <a:endParaRPr lang="en-US" sz="3200" i="1" dirty="0">
-              <a:solidFill>
-                <a:schemeClr val="bg1"/>
-              </a:solidFill>
-              <a:latin typeface="Arial" panose="020B0604020202020204" pitchFamily="34" charset="0"/>
-              <a:cs typeface="Arial" panose="020B0604020202020204" pitchFamily="34" charset="0"/>
-            </a:endParaRPr>
-          </a:p>
-        </p:txBody>
-      </p:sp>
-      <p:sp>
-        <p:nvSpPr>
-          <p:cNvPr id="8" name="TextBox 7">
+      <p:pic>
+        <p:nvPicPr>
+          <p:cNvPr id="11" name="Picture 10">
             <a:extLst>
               <a:ext uri="{FF2B5EF4-FFF2-40B4-BE49-F238E27FC236}">
-                <a16:creationId xmlns:a16="http://schemas.microsoft.com/office/drawing/2014/main" id="{288494A8-F0BE-4914-B983-53C573E5D9B4}"/>
-              </a:ext>
-            </a:extLst>
-          </p:cNvPr>
-          <p:cNvSpPr txBox="1"/>
-          <p:nvPr/>
-        </p:nvSpPr>
-        <p:spPr>
-          <a:xfrm>
-            <a:off x="76200" y="5867400"/>
-            <a:ext cx="3544561" cy="646331"/>
-          </a:xfrm>
-          <a:prstGeom prst="rect">
-            <a:avLst/>
-          </a:prstGeom>
-          <a:noFill/>
-        </p:spPr>
-        <p:txBody>
-          <a:bodyPr wrap="none" rtlCol="0">
-            <a:spAutoFit/>
-          </a:bodyPr>
-          <a:lstStyle/>
-          <a:p>
-            <a:pPr algn="ctr"/>
-            <a:r>
-              <a:rPr lang="en-US" dirty="0">
-                <a:solidFill>
-                  <a:schemeClr val="bg1"/>
-                </a:solidFill>
-                <a:latin typeface="Arial" panose="020B0604020202020204" pitchFamily="34" charset="0"/>
-                <a:cs typeface="Arial" panose="020B0604020202020204" pitchFamily="34" charset="0"/>
-              </a:rPr>
-              <a:t>Bryan Cafferky</a:t>
-            </a:r>
-          </a:p>
-          <a:p>
-            <a:pPr algn="ctr"/>
-            <a:r>
-              <a:rPr lang="en-US" dirty="0">
-                <a:solidFill>
-                  <a:schemeClr val="bg1"/>
-                </a:solidFill>
-                <a:latin typeface="Arial" panose="020B0604020202020204" pitchFamily="34" charset="0"/>
-                <a:cs typeface="Arial" panose="020B0604020202020204" pitchFamily="34" charset="0"/>
-              </a:rPr>
-              <a:t>Microsoft Data Solutions Enabler</a:t>
-            </a:r>
-          </a:p>
-        </p:txBody>
-      </p:sp>
-      <p:pic>
-        <p:nvPicPr>
-          <p:cNvPr id="12" name="Picture 11" descr="A person smiling for the camera&#10;&#10;Description generated with very high confidence">
-            <a:extLst>
-              <a:ext uri="{FF2B5EF4-FFF2-40B4-BE49-F238E27FC236}">
-                <a16:creationId xmlns:a16="http://schemas.microsoft.com/office/drawing/2014/main" id="{7D30DB8A-D7B8-4166-A92E-2818152AF04E}"/>
+                <a16:creationId xmlns:a16="http://schemas.microsoft.com/office/drawing/2014/main" id="{6359FFE3-E326-4EF3-854A-76A52CA32B0F}"/>
               </a:ext>
             </a:extLst>
           </p:cNvPr>
@@ -7552,7 +7522,37 @@
           <p:nvPr/>
         </p:nvPicPr>
         <p:blipFill>
-          <a:blip r:embed="rId3">
+          <a:blip r:embed="rId3"/>
+          <a:stretch>
+            <a:fillRect/>
+          </a:stretch>
+        </p:blipFill>
+        <p:spPr>
+          <a:xfrm>
+            <a:off x="1600200" y="838200"/>
+            <a:ext cx="9507754" cy="1600200"/>
+          </a:xfrm>
+          <a:prstGeom prst="rect">
+            <a:avLst/>
+          </a:prstGeom>
+        </p:spPr>
+      </p:pic>
+      <p:pic>
+        <p:nvPicPr>
+          <p:cNvPr id="4" name="Picture 3" descr="A close up of a logo&#10;&#10;Description generated with high confidence">
+            <a:extLst>
+              <a:ext uri="{FF2B5EF4-FFF2-40B4-BE49-F238E27FC236}">
+                <a16:creationId xmlns:a16="http://schemas.microsoft.com/office/drawing/2014/main" id="{61784C00-B9E7-440F-AD48-9577B342FCC7}"/>
+              </a:ext>
+            </a:extLst>
+          </p:cNvPr>
+          <p:cNvPicPr>
+            <a:picLocks noChangeAspect="1"/>
+          </p:cNvPicPr>
+          <p:nvPr/>
+        </p:nvPicPr>
+        <p:blipFill>
+          <a:blip r:embed="rId4">
             <a:extLst>
               <a:ext uri="{28A0092B-C50C-407E-A947-70E740481C1C}">
                 <a14:useLocalDpi xmlns:a14="http://schemas.microsoft.com/office/drawing/2010/main" val="0"/>
@@ -7565,8 +7565,8 @@
         </p:blipFill>
         <p:spPr>
           <a:xfrm>
-            <a:off x="976198" y="3922564"/>
-            <a:ext cx="1744563" cy="1744563"/>
+            <a:off x="366932" y="3200400"/>
+            <a:ext cx="2923735" cy="2209800"/>
           </a:xfrm>
           <a:prstGeom prst="rect">
             <a:avLst/>
@@ -7575,10 +7575,10 @@
       </p:pic>
       <p:pic>
         <p:nvPicPr>
-          <p:cNvPr id="1026" name="Picture 2" descr="Image result for azure cognitive services">
+          <p:cNvPr id="5" name="Picture 2" descr="See the source image">
             <a:extLst>
               <a:ext uri="{FF2B5EF4-FFF2-40B4-BE49-F238E27FC236}">
-                <a16:creationId xmlns:a16="http://schemas.microsoft.com/office/drawing/2014/main" id="{3F7B5679-983A-457A-8F24-2EF776ED1139}"/>
+                <a16:creationId xmlns:a16="http://schemas.microsoft.com/office/drawing/2014/main" id="{9339D593-E8DA-4F3A-9D81-187602205103}"/>
               </a:ext>
             </a:extLst>
           </p:cNvPr>
@@ -7588,7 +7588,7 @@
           <p:nvPr/>
         </p:nvPicPr>
         <p:blipFill>
-          <a:blip r:embed="rId4">
+          <a:blip r:embed="rId5">
             <a:extLst>
               <a:ext uri="{28A0092B-C50C-407E-A947-70E740481C1C}">
                 <a14:useLocalDpi xmlns:a14="http://schemas.microsoft.com/office/drawing/2010/main" val="0"/>
@@ -7602,92 +7602,17 @@
         </p:blipFill>
         <p:spPr bwMode="auto">
           <a:xfrm>
-            <a:off x="3780316" y="2232090"/>
-            <a:ext cx="4631368" cy="3934061"/>
+            <a:off x="4419600" y="3245643"/>
+            <a:ext cx="7315200" cy="2164557"/>
           </a:xfrm>
           <a:prstGeom prst="rect">
             <a:avLst/>
           </a:prstGeom>
-          <a:noFill/>
-          <a:extLst>
-            <a:ext uri="{909E8E84-426E-40DD-AFC4-6F175D3DCCD1}">
-              <a14:hiddenFill xmlns:a14="http://schemas.microsoft.com/office/drawing/2010/main">
-                <a:solidFill>
-                  <a:srgbClr val="FFFFFF"/>
-                </a:solidFill>
-              </a14:hiddenFill>
-            </a:ext>
-          </a:extLst>
+          <a:solidFill>
+            <a:schemeClr val="bg1"/>
+          </a:solidFill>
         </p:spPr>
       </p:pic>
-      <p:pic>
-        <p:nvPicPr>
-          <p:cNvPr id="6" name="Picture 5">
-            <a:extLst>
-              <a:ext uri="{FF2B5EF4-FFF2-40B4-BE49-F238E27FC236}">
-                <a16:creationId xmlns:a16="http://schemas.microsoft.com/office/drawing/2014/main" id="{6CF81C9F-10F1-4753-905C-6D7A562A04EB}"/>
-              </a:ext>
-            </a:extLst>
-          </p:cNvPr>
-          <p:cNvPicPr>
-            <a:picLocks noChangeAspect="1"/>
-          </p:cNvPicPr>
-          <p:nvPr/>
-        </p:nvPicPr>
-        <p:blipFill>
-          <a:blip r:embed="rId5"/>
-          <a:stretch>
-            <a:fillRect/>
-          </a:stretch>
-        </p:blipFill>
-        <p:spPr>
-          <a:xfrm rot="1675208">
-            <a:off x="5171115" y="2329968"/>
-            <a:ext cx="4611920" cy="776208"/>
-          </a:xfrm>
-          <a:prstGeom prst="rect">
-            <a:avLst/>
-          </a:prstGeom>
-        </p:spPr>
-      </p:pic>
-      <p:sp>
-        <p:nvSpPr>
-          <p:cNvPr id="9" name="Rectangle 8">
-            <a:extLst>
-              <a:ext uri="{FF2B5EF4-FFF2-40B4-BE49-F238E27FC236}">
-                <a16:creationId xmlns:a16="http://schemas.microsoft.com/office/drawing/2014/main" id="{CC35F201-36DA-47B8-B7FE-5CC447A7FF7A}"/>
-              </a:ext>
-            </a:extLst>
-          </p:cNvPr>
-          <p:cNvSpPr/>
-          <p:nvPr/>
-        </p:nvSpPr>
-        <p:spPr>
-          <a:xfrm>
-            <a:off x="3747025" y="6329065"/>
-            <a:ext cx="4330032" cy="369332"/>
-          </a:xfrm>
-          <a:prstGeom prst="rect">
-            <a:avLst/>
-          </a:prstGeom>
-        </p:spPr>
-        <p:txBody>
-          <a:bodyPr wrap="none">
-            <a:spAutoFit/>
-          </a:bodyPr>
-          <a:lstStyle/>
-          <a:p>
-            <a:r>
-              <a:rPr lang="en-US" b="1" dirty="0">
-                <a:solidFill>
-                  <a:srgbClr val="FFFF00"/>
-                </a:solidFill>
-              </a:rPr>
-              <a:t>https://github.com/bcafferky/shared</a:t>
-            </a:r>
-          </a:p>
-        </p:txBody>
-      </p:sp>
     </p:spTree>
     <p:extLst>
       <p:ext uri="{BB962C8B-B14F-4D97-AF65-F5344CB8AC3E}">
@@ -7732,6 +7657,445 @@
         </p:nvSpPr>
         <p:spPr>
           <a:xfrm>
+            <a:off x="0" y="-70445"/>
+            <a:ext cx="12192000" cy="1143000"/>
+          </a:xfrm>
+          <a:prstGeom prst="rect">
+            <a:avLst/>
+          </a:prstGeom>
+          <a:solidFill>
+            <a:srgbClr val="002060"/>
+          </a:solidFill>
+          <a:ln>
+            <a:solidFill>
+              <a:srgbClr val="002060"/>
+            </a:solidFill>
+          </a:ln>
+        </p:spPr>
+        <p:style>
+          <a:lnRef idx="2">
+            <a:schemeClr val="accent1">
+              <a:shade val="50000"/>
+            </a:schemeClr>
+          </a:lnRef>
+          <a:fillRef idx="1">
+            <a:schemeClr val="accent1"/>
+          </a:fillRef>
+          <a:effectRef idx="0">
+            <a:schemeClr val="accent1"/>
+          </a:effectRef>
+          <a:fontRef idx="minor">
+            <a:schemeClr val="lt1"/>
+          </a:fontRef>
+        </p:style>
+        <p:txBody>
+          <a:bodyPr rtlCol="0" anchor="ctr"/>
+          <a:lstStyle/>
+          <a:p>
+            <a:pPr algn="ctr"/>
+            <a:endParaRPr lang="en-US"/>
+          </a:p>
+        </p:txBody>
+      </p:sp>
+      <p:sp>
+        <p:nvSpPr>
+          <p:cNvPr id="2" name="Title 1"/>
+          <p:cNvSpPr>
+            <a:spLocks noGrp="1"/>
+          </p:cNvSpPr>
+          <p:nvPr>
+            <p:ph type="ctrTitle" idx="4294967295"/>
+          </p:nvPr>
+        </p:nvSpPr>
+        <p:spPr>
+          <a:xfrm>
+            <a:off x="0" y="2743200"/>
+            <a:ext cx="12192000" cy="838200"/>
+          </a:xfrm>
+        </p:spPr>
+        <p:txBody>
+          <a:bodyPr/>
+          <a:lstStyle/>
+          <a:p>
+            <a:pPr algn="ctr"/>
+            <a:r>
+              <a:rPr lang="en-US" sz="4400" dirty="0">
+                <a:solidFill>
+                  <a:schemeClr val="bg1"/>
+                </a:solidFill>
+                <a:latin typeface="Arial" panose="020B0604020202020204" pitchFamily="34" charset="0"/>
+                <a:cs typeface="Arial" panose="020B0604020202020204" pitchFamily="34" charset="0"/>
+              </a:rPr>
+              <a:t>Demo</a:t>
+            </a:r>
+            <a:endParaRPr lang="en-US" sz="3200" i="1" dirty="0">
+              <a:solidFill>
+                <a:schemeClr val="bg1"/>
+              </a:solidFill>
+              <a:latin typeface="Arial" panose="020B0604020202020204" pitchFamily="34" charset="0"/>
+              <a:cs typeface="Arial" panose="020B0604020202020204" pitchFamily="34" charset="0"/>
+            </a:endParaRPr>
+          </a:p>
+        </p:txBody>
+      </p:sp>
+      <p:sp>
+        <p:nvSpPr>
+          <p:cNvPr id="3" name="Rectangle 2">
+            <a:extLst>
+              <a:ext uri="{FF2B5EF4-FFF2-40B4-BE49-F238E27FC236}">
+                <a16:creationId xmlns:a16="http://schemas.microsoft.com/office/drawing/2014/main" id="{CE9D3CC8-D04D-4D17-A22B-759F193B4309}"/>
+              </a:ext>
+            </a:extLst>
+          </p:cNvPr>
+          <p:cNvSpPr/>
+          <p:nvPr/>
+        </p:nvSpPr>
+        <p:spPr>
+          <a:xfrm>
+            <a:off x="152400" y="5067379"/>
+            <a:ext cx="10058400" cy="369332"/>
+          </a:xfrm>
+          <a:prstGeom prst="rect">
+            <a:avLst/>
+          </a:prstGeom>
+        </p:spPr>
+        <p:txBody>
+          <a:bodyPr wrap="square">
+            <a:spAutoFit/>
+          </a:bodyPr>
+          <a:lstStyle/>
+          <a:p>
+            <a:r>
+              <a:rPr lang="en-US" dirty="0">
+                <a:hlinkClick r:id="rId3"/>
+              </a:rPr>
+              <a:t>https://azure.microsoft.com/en-us/services/cognitive-services/computer-vision/#text</a:t>
+            </a:r>
+            <a:endParaRPr lang="en-US" dirty="0"/>
+          </a:p>
+        </p:txBody>
+      </p:sp>
+      <p:sp>
+        <p:nvSpPr>
+          <p:cNvPr id="4" name="Rectangle 3">
+            <a:extLst>
+              <a:ext uri="{FF2B5EF4-FFF2-40B4-BE49-F238E27FC236}">
+                <a16:creationId xmlns:a16="http://schemas.microsoft.com/office/drawing/2014/main" id="{D7CD0ACA-76C1-4266-B9F2-A752ACAE104F}"/>
+              </a:ext>
+            </a:extLst>
+          </p:cNvPr>
+          <p:cNvSpPr/>
+          <p:nvPr/>
+        </p:nvSpPr>
+        <p:spPr>
+          <a:xfrm>
+            <a:off x="152400" y="5943600"/>
+            <a:ext cx="11430000" cy="646331"/>
+          </a:xfrm>
+          <a:prstGeom prst="rect">
+            <a:avLst/>
+          </a:prstGeom>
+        </p:spPr>
+        <p:txBody>
+          <a:bodyPr wrap="square">
+            <a:spAutoFit/>
+          </a:bodyPr>
+          <a:lstStyle/>
+          <a:p>
+            <a:r>
+              <a:rPr lang="en-US" dirty="0">
+                <a:hlinkClick r:id="rId4"/>
+              </a:rPr>
+              <a:t>https://westus.dev.cognitive.microsoft.com/docs/services/5adf991815e1060e6355ad44/operations/56f91f2e778daf14a499e1fa</a:t>
+            </a:r>
+            <a:endParaRPr lang="en-US" dirty="0"/>
+          </a:p>
+        </p:txBody>
+      </p:sp>
+      <p:sp>
+        <p:nvSpPr>
+          <p:cNvPr id="6" name="Title 1">
+            <a:extLst>
+              <a:ext uri="{FF2B5EF4-FFF2-40B4-BE49-F238E27FC236}">
+                <a16:creationId xmlns:a16="http://schemas.microsoft.com/office/drawing/2014/main" id="{BBAA6C52-BEF8-42FA-845E-12C76B1D6C7F}"/>
+              </a:ext>
+            </a:extLst>
+          </p:cNvPr>
+          <p:cNvSpPr txBox="1">
+            <a:spLocks/>
+          </p:cNvSpPr>
+          <p:nvPr/>
+        </p:nvSpPr>
+        <p:spPr>
+          <a:xfrm>
+            <a:off x="152400" y="4711515"/>
+            <a:ext cx="4230950" cy="347511"/>
+          </a:xfrm>
+          <a:prstGeom prst="rect">
+            <a:avLst/>
+          </a:prstGeom>
+        </p:spPr>
+        <p:txBody>
+          <a:bodyPr vert="horz" lIns="91440" tIns="45720" rIns="91440" bIns="45720" rtlCol="0" anchor="t">
+            <a:noAutofit/>
+          </a:bodyPr>
+          <a:lstStyle>
+            <a:lvl1pPr algn="l" defTabSz="457200" rtl="0" eaLnBrk="1" latinLnBrk="0" hangingPunct="1">
+              <a:spcBef>
+                <a:spcPct val="0"/>
+              </a:spcBef>
+              <a:buNone/>
+              <a:defRPr sz="4200" b="0" i="0" kern="1200">
+                <a:solidFill>
+                  <a:schemeClr val="tx2"/>
+                </a:solidFill>
+                <a:latin typeface="+mj-lt"/>
+                <a:ea typeface="+mj-ea"/>
+                <a:cs typeface="+mj-cs"/>
+              </a:defRPr>
+            </a:lvl1pPr>
+            <a:lvl2pPr eaLnBrk="1" hangingPunct="1">
+              <a:defRPr>
+                <a:solidFill>
+                  <a:schemeClr val="tx2"/>
+                </a:solidFill>
+              </a:defRPr>
+            </a:lvl2pPr>
+            <a:lvl3pPr eaLnBrk="1" hangingPunct="1">
+              <a:defRPr>
+                <a:solidFill>
+                  <a:schemeClr val="tx2"/>
+                </a:solidFill>
+              </a:defRPr>
+            </a:lvl3pPr>
+            <a:lvl4pPr eaLnBrk="1" hangingPunct="1">
+              <a:defRPr>
+                <a:solidFill>
+                  <a:schemeClr val="tx2"/>
+                </a:solidFill>
+              </a:defRPr>
+            </a:lvl4pPr>
+            <a:lvl5pPr eaLnBrk="1" hangingPunct="1">
+              <a:defRPr>
+                <a:solidFill>
+                  <a:schemeClr val="tx2"/>
+                </a:solidFill>
+              </a:defRPr>
+            </a:lvl5pPr>
+            <a:lvl6pPr eaLnBrk="1" hangingPunct="1">
+              <a:defRPr>
+                <a:solidFill>
+                  <a:schemeClr val="tx2"/>
+                </a:solidFill>
+              </a:defRPr>
+            </a:lvl6pPr>
+            <a:lvl7pPr eaLnBrk="1" hangingPunct="1">
+              <a:defRPr>
+                <a:solidFill>
+                  <a:schemeClr val="tx2"/>
+                </a:solidFill>
+              </a:defRPr>
+            </a:lvl7pPr>
+            <a:lvl8pPr eaLnBrk="1" hangingPunct="1">
+              <a:defRPr>
+                <a:solidFill>
+                  <a:schemeClr val="tx2"/>
+                </a:solidFill>
+              </a:defRPr>
+            </a:lvl8pPr>
+            <a:lvl9pPr eaLnBrk="1" hangingPunct="1">
+              <a:defRPr>
+                <a:solidFill>
+                  <a:schemeClr val="tx2"/>
+                </a:solidFill>
+              </a:defRPr>
+            </a:lvl9pPr>
+          </a:lstStyle>
+          <a:p>
+            <a:r>
+              <a:rPr lang="en-US" sz="2000" dirty="0">
+                <a:solidFill>
+                  <a:schemeClr val="bg1"/>
+                </a:solidFill>
+                <a:latin typeface="Arial" panose="020B0604020202020204" pitchFamily="34" charset="0"/>
+                <a:cs typeface="Arial" panose="020B0604020202020204" pitchFamily="34" charset="0"/>
+              </a:rPr>
+              <a:t>Online Demos</a:t>
+            </a:r>
+            <a:endParaRPr lang="en-US" sz="2000" i="1" dirty="0">
+              <a:solidFill>
+                <a:schemeClr val="bg1"/>
+              </a:solidFill>
+              <a:latin typeface="Arial" panose="020B0604020202020204" pitchFamily="34" charset="0"/>
+              <a:cs typeface="Arial" panose="020B0604020202020204" pitchFamily="34" charset="0"/>
+            </a:endParaRPr>
+          </a:p>
+        </p:txBody>
+      </p:sp>
+      <p:sp>
+        <p:nvSpPr>
+          <p:cNvPr id="7" name="Title 1">
+            <a:extLst>
+              <a:ext uri="{FF2B5EF4-FFF2-40B4-BE49-F238E27FC236}">
+                <a16:creationId xmlns:a16="http://schemas.microsoft.com/office/drawing/2014/main" id="{7E441BCC-771A-4D89-9336-9FB4AC0E1268}"/>
+              </a:ext>
+            </a:extLst>
+          </p:cNvPr>
+          <p:cNvSpPr txBox="1">
+            <a:spLocks/>
+          </p:cNvSpPr>
+          <p:nvPr/>
+        </p:nvSpPr>
+        <p:spPr>
+          <a:xfrm>
+            <a:off x="156099" y="5618819"/>
+            <a:ext cx="4230950" cy="552349"/>
+          </a:xfrm>
+          <a:prstGeom prst="rect">
+            <a:avLst/>
+          </a:prstGeom>
+        </p:spPr>
+        <p:txBody>
+          <a:bodyPr vert="horz" lIns="91440" tIns="45720" rIns="91440" bIns="45720" rtlCol="0" anchor="t">
+            <a:noAutofit/>
+          </a:bodyPr>
+          <a:lstStyle>
+            <a:lvl1pPr algn="l" defTabSz="457200" rtl="0" eaLnBrk="1" latinLnBrk="0" hangingPunct="1">
+              <a:spcBef>
+                <a:spcPct val="0"/>
+              </a:spcBef>
+              <a:buNone/>
+              <a:defRPr sz="4200" b="0" i="0" kern="1200">
+                <a:solidFill>
+                  <a:schemeClr val="tx2"/>
+                </a:solidFill>
+                <a:latin typeface="+mj-lt"/>
+                <a:ea typeface="+mj-ea"/>
+                <a:cs typeface="+mj-cs"/>
+              </a:defRPr>
+            </a:lvl1pPr>
+            <a:lvl2pPr eaLnBrk="1" hangingPunct="1">
+              <a:defRPr>
+                <a:solidFill>
+                  <a:schemeClr val="tx2"/>
+                </a:solidFill>
+              </a:defRPr>
+            </a:lvl2pPr>
+            <a:lvl3pPr eaLnBrk="1" hangingPunct="1">
+              <a:defRPr>
+                <a:solidFill>
+                  <a:schemeClr val="tx2"/>
+                </a:solidFill>
+              </a:defRPr>
+            </a:lvl3pPr>
+            <a:lvl4pPr eaLnBrk="1" hangingPunct="1">
+              <a:defRPr>
+                <a:solidFill>
+                  <a:schemeClr val="tx2"/>
+                </a:solidFill>
+              </a:defRPr>
+            </a:lvl4pPr>
+            <a:lvl5pPr eaLnBrk="1" hangingPunct="1">
+              <a:defRPr>
+                <a:solidFill>
+                  <a:schemeClr val="tx2"/>
+                </a:solidFill>
+              </a:defRPr>
+            </a:lvl5pPr>
+            <a:lvl6pPr eaLnBrk="1" hangingPunct="1">
+              <a:defRPr>
+                <a:solidFill>
+                  <a:schemeClr val="tx2"/>
+                </a:solidFill>
+              </a:defRPr>
+            </a:lvl6pPr>
+            <a:lvl7pPr eaLnBrk="1" hangingPunct="1">
+              <a:defRPr>
+                <a:solidFill>
+                  <a:schemeClr val="tx2"/>
+                </a:solidFill>
+              </a:defRPr>
+            </a:lvl7pPr>
+            <a:lvl8pPr eaLnBrk="1" hangingPunct="1">
+              <a:defRPr>
+                <a:solidFill>
+                  <a:schemeClr val="tx2"/>
+                </a:solidFill>
+              </a:defRPr>
+            </a:lvl8pPr>
+            <a:lvl9pPr eaLnBrk="1" hangingPunct="1">
+              <a:defRPr>
+                <a:solidFill>
+                  <a:schemeClr val="tx2"/>
+                </a:solidFill>
+              </a:defRPr>
+            </a:lvl9pPr>
+          </a:lstStyle>
+          <a:p>
+            <a:r>
+              <a:rPr lang="en-US" sz="2000" dirty="0">
+                <a:solidFill>
+                  <a:schemeClr val="bg1"/>
+                </a:solidFill>
+                <a:latin typeface="Arial" panose="020B0604020202020204" pitchFamily="34" charset="0"/>
+                <a:cs typeface="Arial" panose="020B0604020202020204" pitchFamily="34" charset="0"/>
+              </a:rPr>
+              <a:t>Sample API Code</a:t>
+            </a:r>
+            <a:endParaRPr lang="en-US" sz="2000" i="1" dirty="0">
+              <a:solidFill>
+                <a:schemeClr val="bg1"/>
+              </a:solidFill>
+              <a:latin typeface="Arial" panose="020B0604020202020204" pitchFamily="34" charset="0"/>
+              <a:cs typeface="Arial" panose="020B0604020202020204" pitchFamily="34" charset="0"/>
+            </a:endParaRPr>
+          </a:p>
+        </p:txBody>
+      </p:sp>
+    </p:spTree>
+    <p:extLst>
+      <p:ext uri="{BB962C8B-B14F-4D97-AF65-F5344CB8AC3E}">
+        <p14:creationId xmlns:p14="http://schemas.microsoft.com/office/powerpoint/2010/main" val="2105757844"/>
+      </p:ext>
+    </p:extLst>
+  </p:cSld>
+  <p:clrMapOvr>
+    <a:masterClrMapping/>
+  </p:clrMapOvr>
+</p:sld>
+</file>
+
+<file path=ppt/slides/slide11.xml><?xml version="1.0" encoding="utf-8"?>
+<p:sld xmlns:a="http://schemas.openxmlformats.org/drawingml/2006/main" xmlns:r="http://schemas.openxmlformats.org/officeDocument/2006/relationships" xmlns:p="http://schemas.openxmlformats.org/presentationml/2006/main">
+  <p:cSld>
+    <p:spTree>
+      <p:nvGrpSpPr>
+        <p:cNvPr id="1" name=""/>
+        <p:cNvGrpSpPr/>
+        <p:nvPr/>
+      </p:nvGrpSpPr>
+      <p:grpSpPr>
+        <a:xfrm>
+          <a:off x="0" y="0"/>
+          <a:ext cx="0" cy="0"/>
+          <a:chOff x="0" y="0"/>
+          <a:chExt cx="0" cy="0"/>
+        </a:xfrm>
+      </p:grpSpPr>
+      <p:sp>
+        <p:nvSpPr>
+          <p:cNvPr id="10" name="Rectangle 9">
+            <a:extLst>
+              <a:ext uri="{FF2B5EF4-FFF2-40B4-BE49-F238E27FC236}">
+                <a16:creationId xmlns:a16="http://schemas.microsoft.com/office/drawing/2014/main" id="{E9B8957C-8B49-4AFE-8274-132E81D037FE}"/>
+              </a:ext>
+            </a:extLst>
+          </p:cNvPr>
+          <p:cNvSpPr/>
+          <p:nvPr/>
+        </p:nvSpPr>
+        <p:spPr>
+          <a:xfrm>
             <a:off x="1480" y="-109449"/>
             <a:ext cx="12192000" cy="1143000"/>
           </a:xfrm>
@@ -8023,6 +8387,356 @@
 </file>
 
 <file path=ppt/slides/slide2.xml><?xml version="1.0" encoding="utf-8"?>
+<p:sld xmlns:a="http://schemas.openxmlformats.org/drawingml/2006/main" xmlns:r="http://schemas.openxmlformats.org/officeDocument/2006/relationships" xmlns:p="http://schemas.openxmlformats.org/presentationml/2006/main">
+  <p:cSld>
+    <p:spTree>
+      <p:nvGrpSpPr>
+        <p:cNvPr id="1" name=""/>
+        <p:cNvGrpSpPr/>
+        <p:nvPr/>
+      </p:nvGrpSpPr>
+      <p:grpSpPr>
+        <a:xfrm>
+          <a:off x="0" y="0"/>
+          <a:ext cx="0" cy="0"/>
+          <a:chOff x="0" y="0"/>
+          <a:chExt cx="0" cy="0"/>
+        </a:xfrm>
+      </p:grpSpPr>
+      <p:sp>
+        <p:nvSpPr>
+          <p:cNvPr id="10" name="Rectangle 9">
+            <a:extLst>
+              <a:ext uri="{FF2B5EF4-FFF2-40B4-BE49-F238E27FC236}">
+                <a16:creationId xmlns:a16="http://schemas.microsoft.com/office/drawing/2014/main" id="{E9B8957C-8B49-4AFE-8274-132E81D037FE}"/>
+              </a:ext>
+            </a:extLst>
+          </p:cNvPr>
+          <p:cNvSpPr/>
+          <p:nvPr/>
+        </p:nvSpPr>
+        <p:spPr>
+          <a:xfrm>
+            <a:off x="0" y="-70445"/>
+            <a:ext cx="12192000" cy="1143000"/>
+          </a:xfrm>
+          <a:prstGeom prst="rect">
+            <a:avLst/>
+          </a:prstGeom>
+          <a:solidFill>
+            <a:srgbClr val="002060"/>
+          </a:solidFill>
+          <a:ln>
+            <a:solidFill>
+              <a:srgbClr val="002060"/>
+            </a:solidFill>
+          </a:ln>
+        </p:spPr>
+        <p:style>
+          <a:lnRef idx="2">
+            <a:schemeClr val="accent1">
+              <a:shade val="50000"/>
+            </a:schemeClr>
+          </a:lnRef>
+          <a:fillRef idx="1">
+            <a:schemeClr val="accent1"/>
+          </a:fillRef>
+          <a:effectRef idx="0">
+            <a:schemeClr val="accent1"/>
+          </a:effectRef>
+          <a:fontRef idx="minor">
+            <a:schemeClr val="lt1"/>
+          </a:fontRef>
+        </p:style>
+        <p:txBody>
+          <a:bodyPr rtlCol="0" anchor="ctr"/>
+          <a:lstStyle/>
+          <a:p>
+            <a:pPr algn="ctr"/>
+            <a:endParaRPr lang="en-US"/>
+          </a:p>
+        </p:txBody>
+      </p:sp>
+      <p:sp>
+        <p:nvSpPr>
+          <p:cNvPr id="2" name="Title 1"/>
+          <p:cNvSpPr>
+            <a:spLocks noGrp="1"/>
+          </p:cNvSpPr>
+          <p:nvPr>
+            <p:ph type="ctrTitle" idx="4294967295"/>
+          </p:nvPr>
+        </p:nvSpPr>
+        <p:spPr>
+          <a:xfrm>
+            <a:off x="0" y="34082"/>
+            <a:ext cx="12192000" cy="838200"/>
+          </a:xfrm>
+        </p:spPr>
+        <p:txBody>
+          <a:bodyPr/>
+          <a:lstStyle/>
+          <a:p>
+            <a:pPr algn="ctr"/>
+            <a:r>
+              <a:rPr lang="en-US" sz="4400" dirty="0">
+                <a:solidFill>
+                  <a:schemeClr val="bg1"/>
+                </a:solidFill>
+                <a:latin typeface="Arial" panose="020B0604020202020204" pitchFamily="34" charset="0"/>
+                <a:cs typeface="Arial" panose="020B0604020202020204" pitchFamily="34" charset="0"/>
+              </a:rPr>
+              <a:t>Azure Databricks </a:t>
+            </a:r>
+            <a:br>
+              <a:rPr lang="en-US" sz="4400" dirty="0">
+                <a:solidFill>
+                  <a:schemeClr val="bg1"/>
+                </a:solidFill>
+                <a:latin typeface="Arial" panose="020B0604020202020204" pitchFamily="34" charset="0"/>
+                <a:cs typeface="Arial" panose="020B0604020202020204" pitchFamily="34" charset="0"/>
+              </a:rPr>
+            </a:br>
+            <a:r>
+              <a:rPr lang="en-US" sz="4400" dirty="0">
+                <a:solidFill>
+                  <a:schemeClr val="bg1"/>
+                </a:solidFill>
+                <a:latin typeface="Arial" panose="020B0604020202020204" pitchFamily="34" charset="0"/>
+                <a:cs typeface="Arial" panose="020B0604020202020204" pitchFamily="34" charset="0"/>
+              </a:rPr>
+              <a:t>Calling the Cognitive Services Vision API</a:t>
+            </a:r>
+            <a:endParaRPr lang="en-US" sz="3200" i="1" dirty="0">
+              <a:solidFill>
+                <a:schemeClr val="bg1"/>
+              </a:solidFill>
+              <a:latin typeface="Arial" panose="020B0604020202020204" pitchFamily="34" charset="0"/>
+              <a:cs typeface="Arial" panose="020B0604020202020204" pitchFamily="34" charset="0"/>
+            </a:endParaRPr>
+          </a:p>
+        </p:txBody>
+      </p:sp>
+      <p:sp>
+        <p:nvSpPr>
+          <p:cNvPr id="8" name="TextBox 7">
+            <a:extLst>
+              <a:ext uri="{FF2B5EF4-FFF2-40B4-BE49-F238E27FC236}">
+                <a16:creationId xmlns:a16="http://schemas.microsoft.com/office/drawing/2014/main" id="{288494A8-F0BE-4914-B983-53C573E5D9B4}"/>
+              </a:ext>
+            </a:extLst>
+          </p:cNvPr>
+          <p:cNvSpPr txBox="1"/>
+          <p:nvPr/>
+        </p:nvSpPr>
+        <p:spPr>
+          <a:xfrm>
+            <a:off x="76200" y="5867400"/>
+            <a:ext cx="3544561" cy="646331"/>
+          </a:xfrm>
+          <a:prstGeom prst="rect">
+            <a:avLst/>
+          </a:prstGeom>
+          <a:noFill/>
+        </p:spPr>
+        <p:txBody>
+          <a:bodyPr wrap="none" rtlCol="0">
+            <a:spAutoFit/>
+          </a:bodyPr>
+          <a:lstStyle/>
+          <a:p>
+            <a:pPr algn="ctr"/>
+            <a:r>
+              <a:rPr lang="en-US" dirty="0">
+                <a:solidFill>
+                  <a:schemeClr val="bg1"/>
+                </a:solidFill>
+                <a:latin typeface="Arial" panose="020B0604020202020204" pitchFamily="34" charset="0"/>
+                <a:cs typeface="Arial" panose="020B0604020202020204" pitchFamily="34" charset="0"/>
+              </a:rPr>
+              <a:t>Bryan Cafferky</a:t>
+            </a:r>
+          </a:p>
+          <a:p>
+            <a:pPr algn="ctr"/>
+            <a:r>
+              <a:rPr lang="en-US" dirty="0">
+                <a:solidFill>
+                  <a:schemeClr val="bg1"/>
+                </a:solidFill>
+                <a:latin typeface="Arial" panose="020B0604020202020204" pitchFamily="34" charset="0"/>
+                <a:cs typeface="Arial" panose="020B0604020202020204" pitchFamily="34" charset="0"/>
+              </a:rPr>
+              <a:t>Microsoft Data Solutions Enabler</a:t>
+            </a:r>
+          </a:p>
+        </p:txBody>
+      </p:sp>
+      <p:pic>
+        <p:nvPicPr>
+          <p:cNvPr id="12" name="Picture 11" descr="A person smiling for the camera&#10;&#10;Description generated with very high confidence">
+            <a:extLst>
+              <a:ext uri="{FF2B5EF4-FFF2-40B4-BE49-F238E27FC236}">
+                <a16:creationId xmlns:a16="http://schemas.microsoft.com/office/drawing/2014/main" id="{7D30DB8A-D7B8-4166-A92E-2818152AF04E}"/>
+              </a:ext>
+            </a:extLst>
+          </p:cNvPr>
+          <p:cNvPicPr>
+            <a:picLocks noChangeAspect="1"/>
+          </p:cNvPicPr>
+          <p:nvPr/>
+        </p:nvPicPr>
+        <p:blipFill>
+          <a:blip r:embed="rId3">
+            <a:extLst>
+              <a:ext uri="{28A0092B-C50C-407E-A947-70E740481C1C}">
+                <a14:useLocalDpi xmlns:a14="http://schemas.microsoft.com/office/drawing/2010/main" val="0"/>
+              </a:ext>
+            </a:extLst>
+          </a:blip>
+          <a:stretch>
+            <a:fillRect/>
+          </a:stretch>
+        </p:blipFill>
+        <p:spPr>
+          <a:xfrm>
+            <a:off x="976198" y="3922564"/>
+            <a:ext cx="1744563" cy="1744563"/>
+          </a:xfrm>
+          <a:prstGeom prst="rect">
+            <a:avLst/>
+          </a:prstGeom>
+        </p:spPr>
+      </p:pic>
+      <p:pic>
+        <p:nvPicPr>
+          <p:cNvPr id="1026" name="Picture 2" descr="Image result for azure cognitive services">
+            <a:extLst>
+              <a:ext uri="{FF2B5EF4-FFF2-40B4-BE49-F238E27FC236}">
+                <a16:creationId xmlns:a16="http://schemas.microsoft.com/office/drawing/2014/main" id="{3F7B5679-983A-457A-8F24-2EF776ED1139}"/>
+              </a:ext>
+            </a:extLst>
+          </p:cNvPr>
+          <p:cNvPicPr>
+            <a:picLocks noChangeAspect="1" noChangeArrowheads="1"/>
+          </p:cNvPicPr>
+          <p:nvPr/>
+        </p:nvPicPr>
+        <p:blipFill>
+          <a:blip r:embed="rId4">
+            <a:extLst>
+              <a:ext uri="{28A0092B-C50C-407E-A947-70E740481C1C}">
+                <a14:useLocalDpi xmlns:a14="http://schemas.microsoft.com/office/drawing/2010/main" val="0"/>
+              </a:ext>
+            </a:extLst>
+          </a:blip>
+          <a:srcRect/>
+          <a:stretch>
+            <a:fillRect/>
+          </a:stretch>
+        </p:blipFill>
+        <p:spPr bwMode="auto">
+          <a:xfrm>
+            <a:off x="3780316" y="2232090"/>
+            <a:ext cx="4631368" cy="3934061"/>
+          </a:xfrm>
+          <a:prstGeom prst="rect">
+            <a:avLst/>
+          </a:prstGeom>
+          <a:noFill/>
+          <a:extLst>
+            <a:ext uri="{909E8E84-426E-40DD-AFC4-6F175D3DCCD1}">
+              <a14:hiddenFill xmlns:a14="http://schemas.microsoft.com/office/drawing/2010/main">
+                <a:solidFill>
+                  <a:srgbClr val="FFFFFF"/>
+                </a:solidFill>
+              </a14:hiddenFill>
+            </a:ext>
+          </a:extLst>
+        </p:spPr>
+      </p:pic>
+      <p:pic>
+        <p:nvPicPr>
+          <p:cNvPr id="6" name="Picture 5">
+            <a:extLst>
+              <a:ext uri="{FF2B5EF4-FFF2-40B4-BE49-F238E27FC236}">
+                <a16:creationId xmlns:a16="http://schemas.microsoft.com/office/drawing/2014/main" id="{6CF81C9F-10F1-4753-905C-6D7A562A04EB}"/>
+              </a:ext>
+            </a:extLst>
+          </p:cNvPr>
+          <p:cNvPicPr>
+            <a:picLocks noChangeAspect="1"/>
+          </p:cNvPicPr>
+          <p:nvPr/>
+        </p:nvPicPr>
+        <p:blipFill>
+          <a:blip r:embed="rId5"/>
+          <a:stretch>
+            <a:fillRect/>
+          </a:stretch>
+        </p:blipFill>
+        <p:spPr>
+          <a:xfrm rot="1675208">
+            <a:off x="5171115" y="2329968"/>
+            <a:ext cx="4611920" cy="776208"/>
+          </a:xfrm>
+          <a:prstGeom prst="rect">
+            <a:avLst/>
+          </a:prstGeom>
+        </p:spPr>
+      </p:pic>
+      <p:sp>
+        <p:nvSpPr>
+          <p:cNvPr id="9" name="Rectangle 8">
+            <a:extLst>
+              <a:ext uri="{FF2B5EF4-FFF2-40B4-BE49-F238E27FC236}">
+                <a16:creationId xmlns:a16="http://schemas.microsoft.com/office/drawing/2014/main" id="{CC35F201-36DA-47B8-B7FE-5CC447A7FF7A}"/>
+              </a:ext>
+            </a:extLst>
+          </p:cNvPr>
+          <p:cNvSpPr/>
+          <p:nvPr/>
+        </p:nvSpPr>
+        <p:spPr>
+          <a:xfrm>
+            <a:off x="3747025" y="6329065"/>
+            <a:ext cx="4330032" cy="369332"/>
+          </a:xfrm>
+          <a:prstGeom prst="rect">
+            <a:avLst/>
+          </a:prstGeom>
+        </p:spPr>
+        <p:txBody>
+          <a:bodyPr wrap="none">
+            <a:spAutoFit/>
+          </a:bodyPr>
+          <a:lstStyle/>
+          <a:p>
+            <a:r>
+              <a:rPr lang="en-US" b="1" dirty="0">
+                <a:solidFill>
+                  <a:srgbClr val="FFFF00"/>
+                </a:solidFill>
+              </a:rPr>
+              <a:t>https://github.com/bcafferky/shared</a:t>
+            </a:r>
+          </a:p>
+        </p:txBody>
+      </p:sp>
+    </p:spTree>
+    <p:extLst>
+      <p:ext uri="{BB962C8B-B14F-4D97-AF65-F5344CB8AC3E}">
+        <p14:creationId xmlns:p14="http://schemas.microsoft.com/office/powerpoint/2010/main" val="3686377687"/>
+      </p:ext>
+    </p:extLst>
+  </p:cSld>
+  <p:clrMapOvr>
+    <a:masterClrMapping/>
+  </p:clrMapOvr>
+</p:sld>
+</file>
+
+<file path=ppt/slides/slide3.xml><?xml version="1.0" encoding="utf-8"?>
 <p:sld xmlns:a="http://schemas.openxmlformats.org/drawingml/2006/main" xmlns:r="http://schemas.openxmlformats.org/officeDocument/2006/relationships" xmlns:p="http://schemas.openxmlformats.org/presentationml/2006/main">
   <p:cSld>
     <p:spTree>
@@ -8253,7 +8967,7 @@
 </p:sld>
 </file>
 
-<file path=ppt/slides/slide3.xml><?xml version="1.0" encoding="utf-8"?>
+<file path=ppt/slides/slide4.xml><?xml version="1.0" encoding="utf-8"?>
 <p:sld xmlns:a="http://schemas.openxmlformats.org/drawingml/2006/main" xmlns:r="http://schemas.openxmlformats.org/officeDocument/2006/relationships" xmlns:p="http://schemas.openxmlformats.org/presentationml/2006/main">
   <p:cSld>
     <p:spTree>
@@ -8492,7 +9206,7 @@
 </p:sld>
 </file>
 
-<file path=ppt/slides/slide4.xml><?xml version="1.0" encoding="utf-8"?>
+<file path=ppt/slides/slide5.xml><?xml version="1.0" encoding="utf-8"?>
 <p:sld xmlns:a="http://schemas.openxmlformats.org/drawingml/2006/main" xmlns:r="http://schemas.openxmlformats.org/officeDocument/2006/relationships" xmlns:p="http://schemas.openxmlformats.org/presentationml/2006/main">
   <p:cSld>
     <p:spTree>
@@ -8978,7 +9692,7 @@
 </p:sld>
 </file>
 
-<file path=ppt/slides/slide5.xml><?xml version="1.0" encoding="utf-8"?>
+<file path=ppt/slides/slide6.xml><?xml version="1.0" encoding="utf-8"?>
 <p:sld xmlns:a="http://schemas.openxmlformats.org/drawingml/2006/main" xmlns:r="http://schemas.openxmlformats.org/officeDocument/2006/relationships" xmlns:p="http://schemas.openxmlformats.org/presentationml/2006/main">
   <p:cSld>
     <p:spTree>
@@ -9103,7 +9817,7 @@
 </p:sld>
 </file>
 
-<file path=ppt/slides/slide6.xml><?xml version="1.0" encoding="utf-8"?>
+<file path=ppt/slides/slide7.xml><?xml version="1.0" encoding="utf-8"?>
 <p:sld xmlns:a="http://schemas.openxmlformats.org/drawingml/2006/main" xmlns:r="http://schemas.openxmlformats.org/officeDocument/2006/relationships" xmlns:p="http://schemas.openxmlformats.org/presentationml/2006/main">
   <p:cSld>
     <p:spTree>
@@ -9258,7 +9972,7 @@
 </p:sld>
 </file>
 
-<file path=ppt/slides/slide7.xml><?xml version="1.0" encoding="utf-8"?>
+<file path=ppt/slides/slide8.xml><?xml version="1.0" encoding="utf-8"?>
 <p:sld xmlns:a="http://schemas.openxmlformats.org/drawingml/2006/main" xmlns:r="http://schemas.openxmlformats.org/officeDocument/2006/relationships" xmlns:p="http://schemas.openxmlformats.org/presentationml/2006/main">
   <p:cSld>
     <p:spTree>
@@ -9743,7 +10457,7 @@
 </p:sld>
 </file>
 
-<file path=ppt/slides/slide8.xml><?xml version="1.0" encoding="utf-8"?>
+<file path=ppt/slides/slide9.xml><?xml version="1.0" encoding="utf-8"?>
 <p:sld xmlns:a="http://schemas.openxmlformats.org/drawingml/2006/main" xmlns:r="http://schemas.openxmlformats.org/officeDocument/2006/relationships" xmlns:p="http://schemas.openxmlformats.org/presentationml/2006/main">
   <p:cSld>
     <p:spTree>
@@ -9889,445 +10603,6 @@
     <p:extLst>
       <p:ext uri="{BB962C8B-B14F-4D97-AF65-F5344CB8AC3E}">
         <p14:creationId xmlns:p14="http://schemas.microsoft.com/office/powerpoint/2010/main" val="1408388785"/>
-      </p:ext>
-    </p:extLst>
-  </p:cSld>
-  <p:clrMapOvr>
-    <a:masterClrMapping/>
-  </p:clrMapOvr>
-</p:sld>
-</file>
-
-<file path=ppt/slides/slide9.xml><?xml version="1.0" encoding="utf-8"?>
-<p:sld xmlns:a="http://schemas.openxmlformats.org/drawingml/2006/main" xmlns:r="http://schemas.openxmlformats.org/officeDocument/2006/relationships" xmlns:p="http://schemas.openxmlformats.org/presentationml/2006/main">
-  <p:cSld>
-    <p:spTree>
-      <p:nvGrpSpPr>
-        <p:cNvPr id="1" name=""/>
-        <p:cNvGrpSpPr/>
-        <p:nvPr/>
-      </p:nvGrpSpPr>
-      <p:grpSpPr>
-        <a:xfrm>
-          <a:off x="0" y="0"/>
-          <a:ext cx="0" cy="0"/>
-          <a:chOff x="0" y="0"/>
-          <a:chExt cx="0" cy="0"/>
-        </a:xfrm>
-      </p:grpSpPr>
-      <p:sp>
-        <p:nvSpPr>
-          <p:cNvPr id="10" name="Rectangle 9">
-            <a:extLst>
-              <a:ext uri="{FF2B5EF4-FFF2-40B4-BE49-F238E27FC236}">
-                <a16:creationId xmlns:a16="http://schemas.microsoft.com/office/drawing/2014/main" id="{E9B8957C-8B49-4AFE-8274-132E81D037FE}"/>
-              </a:ext>
-            </a:extLst>
-          </p:cNvPr>
-          <p:cNvSpPr/>
-          <p:nvPr/>
-        </p:nvSpPr>
-        <p:spPr>
-          <a:xfrm>
-            <a:off x="0" y="-70445"/>
-            <a:ext cx="12192000" cy="1143000"/>
-          </a:xfrm>
-          <a:prstGeom prst="rect">
-            <a:avLst/>
-          </a:prstGeom>
-          <a:solidFill>
-            <a:srgbClr val="002060"/>
-          </a:solidFill>
-          <a:ln>
-            <a:solidFill>
-              <a:srgbClr val="002060"/>
-            </a:solidFill>
-          </a:ln>
-        </p:spPr>
-        <p:style>
-          <a:lnRef idx="2">
-            <a:schemeClr val="accent1">
-              <a:shade val="50000"/>
-            </a:schemeClr>
-          </a:lnRef>
-          <a:fillRef idx="1">
-            <a:schemeClr val="accent1"/>
-          </a:fillRef>
-          <a:effectRef idx="0">
-            <a:schemeClr val="accent1"/>
-          </a:effectRef>
-          <a:fontRef idx="minor">
-            <a:schemeClr val="lt1"/>
-          </a:fontRef>
-        </p:style>
-        <p:txBody>
-          <a:bodyPr rtlCol="0" anchor="ctr"/>
-          <a:lstStyle/>
-          <a:p>
-            <a:pPr algn="ctr"/>
-            <a:endParaRPr lang="en-US"/>
-          </a:p>
-        </p:txBody>
-      </p:sp>
-      <p:sp>
-        <p:nvSpPr>
-          <p:cNvPr id="2" name="Title 1"/>
-          <p:cNvSpPr>
-            <a:spLocks noGrp="1"/>
-          </p:cNvSpPr>
-          <p:nvPr>
-            <p:ph type="ctrTitle" idx="4294967295"/>
-          </p:nvPr>
-        </p:nvSpPr>
-        <p:spPr>
-          <a:xfrm>
-            <a:off x="0" y="2743200"/>
-            <a:ext cx="12192000" cy="838200"/>
-          </a:xfrm>
-        </p:spPr>
-        <p:txBody>
-          <a:bodyPr/>
-          <a:lstStyle/>
-          <a:p>
-            <a:pPr algn="ctr"/>
-            <a:r>
-              <a:rPr lang="en-US" sz="4400" dirty="0">
-                <a:solidFill>
-                  <a:schemeClr val="bg1"/>
-                </a:solidFill>
-                <a:latin typeface="Arial" panose="020B0604020202020204" pitchFamily="34" charset="0"/>
-                <a:cs typeface="Arial" panose="020B0604020202020204" pitchFamily="34" charset="0"/>
-              </a:rPr>
-              <a:t>Demo</a:t>
-            </a:r>
-            <a:endParaRPr lang="en-US" sz="3200" i="1" dirty="0">
-              <a:solidFill>
-                <a:schemeClr val="bg1"/>
-              </a:solidFill>
-              <a:latin typeface="Arial" panose="020B0604020202020204" pitchFamily="34" charset="0"/>
-              <a:cs typeface="Arial" panose="020B0604020202020204" pitchFamily="34" charset="0"/>
-            </a:endParaRPr>
-          </a:p>
-        </p:txBody>
-      </p:sp>
-      <p:sp>
-        <p:nvSpPr>
-          <p:cNvPr id="3" name="Rectangle 2">
-            <a:extLst>
-              <a:ext uri="{FF2B5EF4-FFF2-40B4-BE49-F238E27FC236}">
-                <a16:creationId xmlns:a16="http://schemas.microsoft.com/office/drawing/2014/main" id="{CE9D3CC8-D04D-4D17-A22B-759F193B4309}"/>
-              </a:ext>
-            </a:extLst>
-          </p:cNvPr>
-          <p:cNvSpPr/>
-          <p:nvPr/>
-        </p:nvSpPr>
-        <p:spPr>
-          <a:xfrm>
-            <a:off x="152400" y="5067379"/>
-            <a:ext cx="10058400" cy="369332"/>
-          </a:xfrm>
-          <a:prstGeom prst="rect">
-            <a:avLst/>
-          </a:prstGeom>
-        </p:spPr>
-        <p:txBody>
-          <a:bodyPr wrap="square">
-            <a:spAutoFit/>
-          </a:bodyPr>
-          <a:lstStyle/>
-          <a:p>
-            <a:r>
-              <a:rPr lang="en-US" dirty="0">
-                <a:hlinkClick r:id="rId3"/>
-              </a:rPr>
-              <a:t>https://azure.microsoft.com/en-us/services/cognitive-services/computer-vision/#text</a:t>
-            </a:r>
-            <a:endParaRPr lang="en-US" dirty="0"/>
-          </a:p>
-        </p:txBody>
-      </p:sp>
-      <p:sp>
-        <p:nvSpPr>
-          <p:cNvPr id="4" name="Rectangle 3">
-            <a:extLst>
-              <a:ext uri="{FF2B5EF4-FFF2-40B4-BE49-F238E27FC236}">
-                <a16:creationId xmlns:a16="http://schemas.microsoft.com/office/drawing/2014/main" id="{D7CD0ACA-76C1-4266-B9F2-A752ACAE104F}"/>
-              </a:ext>
-            </a:extLst>
-          </p:cNvPr>
-          <p:cNvSpPr/>
-          <p:nvPr/>
-        </p:nvSpPr>
-        <p:spPr>
-          <a:xfrm>
-            <a:off x="152400" y="5943600"/>
-            <a:ext cx="11430000" cy="646331"/>
-          </a:xfrm>
-          <a:prstGeom prst="rect">
-            <a:avLst/>
-          </a:prstGeom>
-        </p:spPr>
-        <p:txBody>
-          <a:bodyPr wrap="square">
-            <a:spAutoFit/>
-          </a:bodyPr>
-          <a:lstStyle/>
-          <a:p>
-            <a:r>
-              <a:rPr lang="en-US" dirty="0">
-                <a:hlinkClick r:id="rId4"/>
-              </a:rPr>
-              <a:t>https://westus.dev.cognitive.microsoft.com/docs/services/5adf991815e1060e6355ad44/operations/56f91f2e778daf14a499e1fa</a:t>
-            </a:r>
-            <a:endParaRPr lang="en-US" dirty="0"/>
-          </a:p>
-        </p:txBody>
-      </p:sp>
-      <p:sp>
-        <p:nvSpPr>
-          <p:cNvPr id="6" name="Title 1">
-            <a:extLst>
-              <a:ext uri="{FF2B5EF4-FFF2-40B4-BE49-F238E27FC236}">
-                <a16:creationId xmlns:a16="http://schemas.microsoft.com/office/drawing/2014/main" id="{BBAA6C52-BEF8-42FA-845E-12C76B1D6C7F}"/>
-              </a:ext>
-            </a:extLst>
-          </p:cNvPr>
-          <p:cNvSpPr txBox="1">
-            <a:spLocks/>
-          </p:cNvSpPr>
-          <p:nvPr/>
-        </p:nvSpPr>
-        <p:spPr>
-          <a:xfrm>
-            <a:off x="152400" y="4711515"/>
-            <a:ext cx="4230950" cy="347511"/>
-          </a:xfrm>
-          <a:prstGeom prst="rect">
-            <a:avLst/>
-          </a:prstGeom>
-        </p:spPr>
-        <p:txBody>
-          <a:bodyPr vert="horz" lIns="91440" tIns="45720" rIns="91440" bIns="45720" rtlCol="0" anchor="t">
-            <a:noAutofit/>
-          </a:bodyPr>
-          <a:lstStyle>
-            <a:lvl1pPr algn="l" defTabSz="457200" rtl="0" eaLnBrk="1" latinLnBrk="0" hangingPunct="1">
-              <a:spcBef>
-                <a:spcPct val="0"/>
-              </a:spcBef>
-              <a:buNone/>
-              <a:defRPr sz="4200" b="0" i="0" kern="1200">
-                <a:solidFill>
-                  <a:schemeClr val="tx2"/>
-                </a:solidFill>
-                <a:latin typeface="+mj-lt"/>
-                <a:ea typeface="+mj-ea"/>
-                <a:cs typeface="+mj-cs"/>
-              </a:defRPr>
-            </a:lvl1pPr>
-            <a:lvl2pPr eaLnBrk="1" hangingPunct="1">
-              <a:defRPr>
-                <a:solidFill>
-                  <a:schemeClr val="tx2"/>
-                </a:solidFill>
-              </a:defRPr>
-            </a:lvl2pPr>
-            <a:lvl3pPr eaLnBrk="1" hangingPunct="1">
-              <a:defRPr>
-                <a:solidFill>
-                  <a:schemeClr val="tx2"/>
-                </a:solidFill>
-              </a:defRPr>
-            </a:lvl3pPr>
-            <a:lvl4pPr eaLnBrk="1" hangingPunct="1">
-              <a:defRPr>
-                <a:solidFill>
-                  <a:schemeClr val="tx2"/>
-                </a:solidFill>
-              </a:defRPr>
-            </a:lvl4pPr>
-            <a:lvl5pPr eaLnBrk="1" hangingPunct="1">
-              <a:defRPr>
-                <a:solidFill>
-                  <a:schemeClr val="tx2"/>
-                </a:solidFill>
-              </a:defRPr>
-            </a:lvl5pPr>
-            <a:lvl6pPr eaLnBrk="1" hangingPunct="1">
-              <a:defRPr>
-                <a:solidFill>
-                  <a:schemeClr val="tx2"/>
-                </a:solidFill>
-              </a:defRPr>
-            </a:lvl6pPr>
-            <a:lvl7pPr eaLnBrk="1" hangingPunct="1">
-              <a:defRPr>
-                <a:solidFill>
-                  <a:schemeClr val="tx2"/>
-                </a:solidFill>
-              </a:defRPr>
-            </a:lvl7pPr>
-            <a:lvl8pPr eaLnBrk="1" hangingPunct="1">
-              <a:defRPr>
-                <a:solidFill>
-                  <a:schemeClr val="tx2"/>
-                </a:solidFill>
-              </a:defRPr>
-            </a:lvl8pPr>
-            <a:lvl9pPr eaLnBrk="1" hangingPunct="1">
-              <a:defRPr>
-                <a:solidFill>
-                  <a:schemeClr val="tx2"/>
-                </a:solidFill>
-              </a:defRPr>
-            </a:lvl9pPr>
-          </a:lstStyle>
-          <a:p>
-            <a:r>
-              <a:rPr lang="en-US" sz="2000" dirty="0">
-                <a:solidFill>
-                  <a:schemeClr val="bg1"/>
-                </a:solidFill>
-                <a:latin typeface="Arial" panose="020B0604020202020204" pitchFamily="34" charset="0"/>
-                <a:cs typeface="Arial" panose="020B0604020202020204" pitchFamily="34" charset="0"/>
-              </a:rPr>
-              <a:t>Online Demos</a:t>
-            </a:r>
-            <a:endParaRPr lang="en-US" sz="2000" i="1" dirty="0">
-              <a:solidFill>
-                <a:schemeClr val="bg1"/>
-              </a:solidFill>
-              <a:latin typeface="Arial" panose="020B0604020202020204" pitchFamily="34" charset="0"/>
-              <a:cs typeface="Arial" panose="020B0604020202020204" pitchFamily="34" charset="0"/>
-            </a:endParaRPr>
-          </a:p>
-        </p:txBody>
-      </p:sp>
-      <p:sp>
-        <p:nvSpPr>
-          <p:cNvPr id="7" name="Title 1">
-            <a:extLst>
-              <a:ext uri="{FF2B5EF4-FFF2-40B4-BE49-F238E27FC236}">
-                <a16:creationId xmlns:a16="http://schemas.microsoft.com/office/drawing/2014/main" id="{7E441BCC-771A-4D89-9336-9FB4AC0E1268}"/>
-              </a:ext>
-            </a:extLst>
-          </p:cNvPr>
-          <p:cNvSpPr txBox="1">
-            <a:spLocks/>
-          </p:cNvSpPr>
-          <p:nvPr/>
-        </p:nvSpPr>
-        <p:spPr>
-          <a:xfrm>
-            <a:off x="156099" y="5618819"/>
-            <a:ext cx="4230950" cy="552349"/>
-          </a:xfrm>
-          <a:prstGeom prst="rect">
-            <a:avLst/>
-          </a:prstGeom>
-        </p:spPr>
-        <p:txBody>
-          <a:bodyPr vert="horz" lIns="91440" tIns="45720" rIns="91440" bIns="45720" rtlCol="0" anchor="t">
-            <a:noAutofit/>
-          </a:bodyPr>
-          <a:lstStyle>
-            <a:lvl1pPr algn="l" defTabSz="457200" rtl="0" eaLnBrk="1" latinLnBrk="0" hangingPunct="1">
-              <a:spcBef>
-                <a:spcPct val="0"/>
-              </a:spcBef>
-              <a:buNone/>
-              <a:defRPr sz="4200" b="0" i="0" kern="1200">
-                <a:solidFill>
-                  <a:schemeClr val="tx2"/>
-                </a:solidFill>
-                <a:latin typeface="+mj-lt"/>
-                <a:ea typeface="+mj-ea"/>
-                <a:cs typeface="+mj-cs"/>
-              </a:defRPr>
-            </a:lvl1pPr>
-            <a:lvl2pPr eaLnBrk="1" hangingPunct="1">
-              <a:defRPr>
-                <a:solidFill>
-                  <a:schemeClr val="tx2"/>
-                </a:solidFill>
-              </a:defRPr>
-            </a:lvl2pPr>
-            <a:lvl3pPr eaLnBrk="1" hangingPunct="1">
-              <a:defRPr>
-                <a:solidFill>
-                  <a:schemeClr val="tx2"/>
-                </a:solidFill>
-              </a:defRPr>
-            </a:lvl3pPr>
-            <a:lvl4pPr eaLnBrk="1" hangingPunct="1">
-              <a:defRPr>
-                <a:solidFill>
-                  <a:schemeClr val="tx2"/>
-                </a:solidFill>
-              </a:defRPr>
-            </a:lvl4pPr>
-            <a:lvl5pPr eaLnBrk="1" hangingPunct="1">
-              <a:defRPr>
-                <a:solidFill>
-                  <a:schemeClr val="tx2"/>
-                </a:solidFill>
-              </a:defRPr>
-            </a:lvl5pPr>
-            <a:lvl6pPr eaLnBrk="1" hangingPunct="1">
-              <a:defRPr>
-                <a:solidFill>
-                  <a:schemeClr val="tx2"/>
-                </a:solidFill>
-              </a:defRPr>
-            </a:lvl6pPr>
-            <a:lvl7pPr eaLnBrk="1" hangingPunct="1">
-              <a:defRPr>
-                <a:solidFill>
-                  <a:schemeClr val="tx2"/>
-                </a:solidFill>
-              </a:defRPr>
-            </a:lvl7pPr>
-            <a:lvl8pPr eaLnBrk="1" hangingPunct="1">
-              <a:defRPr>
-                <a:solidFill>
-                  <a:schemeClr val="tx2"/>
-                </a:solidFill>
-              </a:defRPr>
-            </a:lvl8pPr>
-            <a:lvl9pPr eaLnBrk="1" hangingPunct="1">
-              <a:defRPr>
-                <a:solidFill>
-                  <a:schemeClr val="tx2"/>
-                </a:solidFill>
-              </a:defRPr>
-            </a:lvl9pPr>
-          </a:lstStyle>
-          <a:p>
-            <a:r>
-              <a:rPr lang="en-US" sz="2000" dirty="0">
-                <a:solidFill>
-                  <a:schemeClr val="bg1"/>
-                </a:solidFill>
-                <a:latin typeface="Arial" panose="020B0604020202020204" pitchFamily="34" charset="0"/>
-                <a:cs typeface="Arial" panose="020B0604020202020204" pitchFamily="34" charset="0"/>
-              </a:rPr>
-              <a:t>Sample API Code</a:t>
-            </a:r>
-            <a:endParaRPr lang="en-US" sz="2000" i="1" dirty="0">
-              <a:solidFill>
-                <a:schemeClr val="bg1"/>
-              </a:solidFill>
-              <a:latin typeface="Arial" panose="020B0604020202020204" pitchFamily="34" charset="0"/>
-              <a:cs typeface="Arial" panose="020B0604020202020204" pitchFamily="34" charset="0"/>
-            </a:endParaRPr>
-          </a:p>
-        </p:txBody>
-      </p:sp>
-    </p:spTree>
-    <p:extLst>
-      <p:ext uri="{BB962C8B-B14F-4D97-AF65-F5344CB8AC3E}">
-        <p14:creationId xmlns:p14="http://schemas.microsoft.com/office/powerpoint/2010/main" val="2105757844"/>
       </p:ext>
     </p:extLst>
   </p:cSld>
